--- a/PPT/mediaProject.pptx
+++ b/PPT/mediaProject.pptx
@@ -242,7 +242,7 @@
           <a:p>
             <a:fld id="{180C6338-D9DD-44A8-ABAA-E0D629C5278F}" type="datetimeFigureOut">
               <a:rPr lang="ko-KR" altLang="en-US" smtClean="0"/>
-              <a:t>2024-05-29</a:t>
+              <a:t>2024-05-30</a:t>
             </a:fld>
             <a:endParaRPr lang="ko-KR" altLang="en-US"/>
           </a:p>
@@ -678,6 +678,90 @@
 </p:notes>
 </file>
 
+<file path=ppt/notesSlides/notesSlide3.xml><?xml version="1.0" encoding="utf-8"?>
+<p:notes xmlns:a="http://schemas.openxmlformats.org/drawingml/2006/main" xmlns:r="http://schemas.openxmlformats.org/officeDocument/2006/relationships" xmlns:p="http://schemas.openxmlformats.org/presentationml/2006/main">
+  <p:cSld>
+    <p:spTree>
+      <p:nvGrpSpPr>
+        <p:cNvPr id="1" name=""/>
+        <p:cNvGrpSpPr/>
+        <p:nvPr/>
+      </p:nvGrpSpPr>
+      <p:grpSpPr>
+        <a:xfrm>
+          <a:off x="0" y="0"/>
+          <a:ext cx="0" cy="0"/>
+          <a:chOff x="0" y="0"/>
+          <a:chExt cx="0" cy="0"/>
+        </a:xfrm>
+      </p:grpSpPr>
+      <p:sp>
+        <p:nvSpPr>
+          <p:cNvPr id="2" name="슬라이드 이미지 개체 틀 1"/>
+          <p:cNvSpPr>
+            <a:spLocks noGrp="1" noRot="1" noChangeAspect="1"/>
+          </p:cNvSpPr>
+          <p:nvPr>
+            <p:ph type="sldImg"/>
+          </p:nvPr>
+        </p:nvSpPr>
+        <p:spPr/>
+      </p:sp>
+      <p:sp>
+        <p:nvSpPr>
+          <p:cNvPr id="3" name="슬라이드 노트 개체 틀 2"/>
+          <p:cNvSpPr>
+            <a:spLocks noGrp="1"/>
+          </p:cNvSpPr>
+          <p:nvPr>
+            <p:ph type="body" idx="1"/>
+          </p:nvPr>
+        </p:nvSpPr>
+        <p:spPr/>
+        <p:txBody>
+          <a:bodyPr/>
+          <a:lstStyle/>
+          <a:p>
+            <a:endParaRPr lang="ko-KR" altLang="en-US" dirty="0"/>
+          </a:p>
+        </p:txBody>
+      </p:sp>
+      <p:sp>
+        <p:nvSpPr>
+          <p:cNvPr id="4" name="슬라이드 번호 개체 틀 3"/>
+          <p:cNvSpPr>
+            <a:spLocks noGrp="1"/>
+          </p:cNvSpPr>
+          <p:nvPr>
+            <p:ph type="sldNum" sz="quarter" idx="10"/>
+          </p:nvPr>
+        </p:nvSpPr>
+        <p:spPr/>
+        <p:txBody>
+          <a:bodyPr/>
+          <a:lstStyle/>
+          <a:p>
+            <a:fld id="{FCD8DD19-7B68-4B67-A626-472E91C6550A}" type="slidenum">
+              <a:rPr lang="ko-KR" altLang="en-US" smtClean="0"/>
+              <a:t>13</a:t>
+            </a:fld>
+            <a:endParaRPr lang="ko-KR" altLang="en-US"/>
+          </a:p>
+        </p:txBody>
+      </p:sp>
+    </p:spTree>
+    <p:extLst>
+      <p:ext uri="{BB962C8B-B14F-4D97-AF65-F5344CB8AC3E}">
+        <p14:creationId xmlns:p14="http://schemas.microsoft.com/office/powerpoint/2010/main" val="4153126203"/>
+      </p:ext>
+    </p:extLst>
+  </p:cSld>
+  <p:clrMapOvr>
+    <a:masterClrMapping/>
+  </p:clrMapOvr>
+</p:notes>
+</file>
+
 <file path=ppt/slideLayouts/slideLayout1.xml><?xml version="1.0" encoding="utf-8"?>
 <p:sldLayout xmlns:a="http://schemas.openxmlformats.org/drawingml/2006/main" xmlns:r="http://schemas.openxmlformats.org/officeDocument/2006/relationships" xmlns:p="http://schemas.openxmlformats.org/presentationml/2006/main" type="title" preserve="1">
   <p:cSld name="Title Slide">
@@ -860,7 +944,7 @@
             <a:fld id="{1D8BD707-D9CF-40AE-B4C6-C98DA3205C09}" type="datetimeFigureOut">
               <a:rPr lang="en-US" smtClean="0"/>
               <a:pPr/>
-              <a:t>5/29/2024</a:t>
+              <a:t>5/30/2024</a:t>
             </a:fld>
             <a:endParaRPr lang="en-US"/>
           </a:p>
@@ -1027,7 +1111,7 @@
             <a:fld id="{1D8BD707-D9CF-40AE-B4C6-C98DA3205C09}" type="datetimeFigureOut">
               <a:rPr lang="en-US" smtClean="0"/>
               <a:pPr/>
-              <a:t>5/29/2024</a:t>
+              <a:t>5/30/2024</a:t>
             </a:fld>
             <a:endParaRPr lang="en-US"/>
           </a:p>
@@ -1204,7 +1288,7 @@
             <a:fld id="{1D8BD707-D9CF-40AE-B4C6-C98DA3205C09}" type="datetimeFigureOut">
               <a:rPr lang="en-US" smtClean="0"/>
               <a:pPr/>
-              <a:t>5/29/2024</a:t>
+              <a:t>5/30/2024</a:t>
             </a:fld>
             <a:endParaRPr lang="en-US"/>
           </a:p>
@@ -1371,7 +1455,7 @@
             <a:fld id="{1D8BD707-D9CF-40AE-B4C6-C98DA3205C09}" type="datetimeFigureOut">
               <a:rPr lang="en-US" smtClean="0"/>
               <a:pPr/>
-              <a:t>5/29/2024</a:t>
+              <a:t>5/30/2024</a:t>
             </a:fld>
             <a:endParaRPr lang="en-US"/>
           </a:p>
@@ -1614,7 +1698,7 @@
             <a:fld id="{1D8BD707-D9CF-40AE-B4C6-C98DA3205C09}" type="datetimeFigureOut">
               <a:rPr lang="en-US" smtClean="0"/>
               <a:pPr/>
-              <a:t>5/29/2024</a:t>
+              <a:t>5/30/2024</a:t>
             </a:fld>
             <a:endParaRPr lang="en-US"/>
           </a:p>
@@ -1899,7 +1983,7 @@
             <a:fld id="{1D8BD707-D9CF-40AE-B4C6-C98DA3205C09}" type="datetimeFigureOut">
               <a:rPr lang="en-US" smtClean="0"/>
               <a:pPr/>
-              <a:t>5/29/2024</a:t>
+              <a:t>5/30/2024</a:t>
             </a:fld>
             <a:endParaRPr lang="en-US"/>
           </a:p>
@@ -2318,7 +2402,7 @@
             <a:fld id="{1D8BD707-D9CF-40AE-B4C6-C98DA3205C09}" type="datetimeFigureOut">
               <a:rPr lang="en-US" smtClean="0"/>
               <a:pPr/>
-              <a:t>5/29/2024</a:t>
+              <a:t>5/30/2024</a:t>
             </a:fld>
             <a:endParaRPr lang="en-US"/>
           </a:p>
@@ -2433,7 +2517,7 @@
             <a:fld id="{1D8BD707-D9CF-40AE-B4C6-C98DA3205C09}" type="datetimeFigureOut">
               <a:rPr lang="en-US" smtClean="0"/>
               <a:pPr/>
-              <a:t>5/29/2024</a:t>
+              <a:t>5/30/2024</a:t>
             </a:fld>
             <a:endParaRPr lang="en-US"/>
           </a:p>
@@ -2525,7 +2609,7 @@
             <a:fld id="{1D8BD707-D9CF-40AE-B4C6-C98DA3205C09}" type="datetimeFigureOut">
               <a:rPr lang="en-US" smtClean="0"/>
               <a:pPr/>
-              <a:t>5/29/2024</a:t>
+              <a:t>5/30/2024</a:t>
             </a:fld>
             <a:endParaRPr lang="en-US"/>
           </a:p>
@@ -2799,7 +2883,7 @@
             <a:fld id="{1D8BD707-D9CF-40AE-B4C6-C98DA3205C09}" type="datetimeFigureOut">
               <a:rPr lang="en-US" smtClean="0"/>
               <a:pPr/>
-              <a:t>5/29/2024</a:t>
+              <a:t>5/30/2024</a:t>
             </a:fld>
             <a:endParaRPr lang="en-US"/>
           </a:p>
@@ -3049,7 +3133,7 @@
             <a:fld id="{1D8BD707-D9CF-40AE-B4C6-C98DA3205C09}" type="datetimeFigureOut">
               <a:rPr lang="en-US" smtClean="0"/>
               <a:pPr/>
-              <a:t>5/29/2024</a:t>
+              <a:t>5/30/2024</a:t>
             </a:fld>
             <a:endParaRPr lang="en-US"/>
           </a:p>
@@ -3259,7 +3343,7 @@
             <a:fld id="{1D8BD707-D9CF-40AE-B4C6-C98DA3205C09}" type="datetimeFigureOut">
               <a:rPr lang="en-US" smtClean="0"/>
               <a:pPr/>
-              <a:t>5/29/2024</a:t>
+              <a:t>5/30/2024</a:t>
             </a:fld>
             <a:endParaRPr lang="en-US"/>
           </a:p>
@@ -3790,7 +3874,17 @@
                 <a:latin typeface="+mj-ea"/>
                 <a:ea typeface="+mj-ea"/>
               </a:rPr>
-              <a:t>Frontend project</a:t>
+              <a:t>Frontend </a:t>
+            </a:r>
+            <a:r>
+              <a:rPr lang="en-US" sz="2400" b="0" i="0" u="none" strike="noStrike" dirty="0" smtClean="0">
+                <a:solidFill>
+                  <a:srgbClr val="FFFFFF"/>
+                </a:solidFill>
+                <a:latin typeface="+mj-ea"/>
+                <a:ea typeface="+mj-ea"/>
+              </a:rPr>
+              <a:t>Project</a:t>
             </a:r>
             <a:endParaRPr lang="en-US" sz="2400" b="0" i="0" u="none" strike="noStrike" dirty="0">
               <a:solidFill>
@@ -4128,14 +4222,20 @@
               </a:lnSpc>
             </a:pPr>
             <a:r>
-              <a:rPr lang="en-US" sz="1500" b="0" i="0" u="none" strike="noStrike" dirty="0">
+              <a:rPr lang="en-US" sz="1500" dirty="0" smtClean="0">
                 <a:solidFill>
                   <a:srgbClr val="7180CB"/>
                 </a:solidFill>
                 <a:latin typeface="Pretendard"/>
               </a:rPr>
-              <a:t>03</a:t>
-            </a:r>
+              <a:t>10</a:t>
+            </a:r>
+            <a:endParaRPr lang="en-US" sz="1500" b="0" i="0" u="none" strike="noStrike" dirty="0">
+              <a:solidFill>
+                <a:srgbClr val="7180CB"/>
+              </a:solidFill>
+              <a:latin typeface="Pretendard"/>
+            </a:endParaRPr>
           </a:p>
         </p:txBody>
       </p:sp>
@@ -4687,14 +4787,20 @@
               </a:lnSpc>
             </a:pPr>
             <a:r>
-              <a:rPr lang="en-US" sz="1500" b="0" i="0" u="none" strike="noStrike" dirty="0">
+              <a:rPr lang="en-US" sz="1500" dirty="0" smtClean="0">
                 <a:solidFill>
                   <a:srgbClr val="7180CB"/>
                 </a:solidFill>
                 <a:latin typeface="Pretendard"/>
               </a:rPr>
-              <a:t>03</a:t>
-            </a:r>
+              <a:t>11</a:t>
+            </a:r>
+            <a:endParaRPr lang="en-US" sz="1500" b="0" i="0" u="none" strike="noStrike" dirty="0">
+              <a:solidFill>
+                <a:srgbClr val="7180CB"/>
+              </a:solidFill>
+              <a:latin typeface="Pretendard"/>
+            </a:endParaRPr>
           </a:p>
         </p:txBody>
       </p:sp>
@@ -5276,14 +5382,20 @@
               </a:lnSpc>
             </a:pPr>
             <a:r>
-              <a:rPr lang="en-US" sz="1500" b="0" i="0" u="none" strike="noStrike" dirty="0">
+              <a:rPr lang="en-US" sz="1500" dirty="0" smtClean="0">
                 <a:solidFill>
                   <a:srgbClr val="7180CB"/>
                 </a:solidFill>
                 <a:latin typeface="Pretendard"/>
               </a:rPr>
-              <a:t>03</a:t>
-            </a:r>
+              <a:t>12</a:t>
+            </a:r>
+            <a:endParaRPr lang="en-US" sz="1500" b="0" i="0" u="none" strike="noStrike" dirty="0">
+              <a:solidFill>
+                <a:srgbClr val="7180CB"/>
+              </a:solidFill>
+              <a:latin typeface="Pretendard"/>
+            </a:endParaRPr>
           </a:p>
         </p:txBody>
       </p:sp>
@@ -5726,7 +5838,7 @@
           <p:nvPr/>
         </p:nvPicPr>
         <p:blipFill>
-          <a:blip r:embed="rId2"/>
+          <a:blip r:embed="rId3"/>
           <a:stretch>
             <a:fillRect/>
           </a:stretch>
@@ -5750,7 +5862,7 @@
           <p:nvPr/>
         </p:nvPicPr>
         <p:blipFill>
-          <a:blip r:embed="rId3"/>
+          <a:blip r:embed="rId4"/>
           <a:stretch>
             <a:fillRect/>
           </a:stretch>
@@ -5774,7 +5886,7 @@
           <p:nvPr/>
         </p:nvPicPr>
         <p:blipFill>
-          <a:blip r:embed="rId4"/>
+          <a:blip r:embed="rId5"/>
           <a:stretch>
             <a:fillRect/>
           </a:stretch>
@@ -5873,14 +5985,29 @@
               </a:lnSpc>
             </a:pPr>
             <a:r>
-              <a:rPr lang="en-US" sz="1500" b="0" i="0" u="none" strike="noStrike" dirty="0">
+              <a:rPr lang="en-US" sz="1500" dirty="0">
                 <a:solidFill>
                   <a:srgbClr val="7180CB"/>
                 </a:solidFill>
                 <a:latin typeface="Pretendard"/>
               </a:rPr>
-              <a:t>03</a:t>
-            </a:r>
+              <a:t>1</a:t>
+            </a:r>
+            <a:r>
+              <a:rPr lang="en-US" sz="1500" b="0" i="0" u="none" strike="noStrike" dirty="0" smtClean="0">
+                <a:solidFill>
+                  <a:srgbClr val="7180CB"/>
+                </a:solidFill>
+                <a:latin typeface="Pretendard"/>
+              </a:rPr>
+              <a:t>3</a:t>
+            </a:r>
+            <a:endParaRPr lang="en-US" sz="1500" b="0" i="0" u="none" strike="noStrike" dirty="0">
+              <a:solidFill>
+                <a:srgbClr val="7180CB"/>
+              </a:solidFill>
+              <a:latin typeface="Pretendard"/>
+            </a:endParaRPr>
           </a:p>
         </p:txBody>
       </p:sp>
@@ -5893,7 +6020,7 @@
           <p:nvPr/>
         </p:nvPicPr>
         <p:blipFill>
-          <a:blip r:embed="rId3"/>
+          <a:blip r:embed="rId4"/>
           <a:stretch>
             <a:fillRect/>
           </a:stretch>
@@ -6231,7 +6358,7 @@
           <p:nvPr/>
         </p:nvPicPr>
         <p:blipFill>
-          <a:blip r:embed="rId5"/>
+          <a:blip r:embed="rId6"/>
           <a:stretch>
             <a:fillRect/>
           </a:stretch>
@@ -6255,7 +6382,7 @@
           <p:nvPr/>
         </p:nvPicPr>
         <p:blipFill>
-          <a:blip r:embed="rId6"/>
+          <a:blip r:embed="rId7"/>
           <a:stretch>
             <a:fillRect/>
           </a:stretch>
@@ -6471,14 +6598,20 @@
               </a:lnSpc>
             </a:pPr>
             <a:r>
-              <a:rPr lang="en-US" sz="1500" b="0" i="0" u="none" strike="noStrike" dirty="0">
+              <a:rPr lang="en-US" sz="1500" dirty="0" smtClean="0">
                 <a:solidFill>
                   <a:srgbClr val="7180CB"/>
                 </a:solidFill>
                 <a:latin typeface="Pretendard"/>
               </a:rPr>
-              <a:t>03</a:t>
-            </a:r>
+              <a:t>14</a:t>
+            </a:r>
+            <a:endParaRPr lang="en-US" sz="1500" b="0" i="0" u="none" strike="noStrike" dirty="0">
+              <a:solidFill>
+                <a:srgbClr val="7180CB"/>
+              </a:solidFill>
+              <a:latin typeface="Pretendard"/>
+            </a:endParaRPr>
           </a:p>
         </p:txBody>
       </p:sp>
@@ -7006,14 +7139,20 @@
               </a:lnSpc>
             </a:pPr>
             <a:r>
-              <a:rPr lang="en-US" sz="1500" b="0" i="0" u="none" strike="noStrike" dirty="0">
+              <a:rPr lang="en-US" sz="1500" dirty="0" smtClean="0">
                 <a:solidFill>
                   <a:srgbClr val="7180CB"/>
                 </a:solidFill>
                 <a:latin typeface="Pretendard"/>
               </a:rPr>
-              <a:t>03</a:t>
-            </a:r>
+              <a:t>15</a:t>
+            </a:r>
+            <a:endParaRPr lang="en-US" sz="1500" b="0" i="0" u="none" strike="noStrike" dirty="0">
+              <a:solidFill>
+                <a:srgbClr val="7180CB"/>
+              </a:solidFill>
+              <a:latin typeface="Pretendard"/>
+            </a:endParaRPr>
           </a:p>
         </p:txBody>
       </p:sp>
@@ -7410,14 +7549,20 @@
               </a:lnSpc>
             </a:pPr>
             <a:r>
-              <a:rPr lang="en-US" sz="1500" b="0" i="0" u="none" strike="noStrike" dirty="0">
+              <a:rPr lang="en-US" sz="1500" dirty="0" smtClean="0">
                 <a:solidFill>
                   <a:srgbClr val="7180CB"/>
                 </a:solidFill>
                 <a:latin typeface="Pretendard"/>
               </a:rPr>
-              <a:t>03</a:t>
-            </a:r>
+              <a:t>16</a:t>
+            </a:r>
+            <a:endParaRPr lang="en-US" sz="1500" b="0" i="0" u="none" strike="noStrike" dirty="0">
+              <a:solidFill>
+                <a:srgbClr val="7180CB"/>
+              </a:solidFill>
+              <a:latin typeface="Pretendard"/>
+            </a:endParaRPr>
           </a:p>
         </p:txBody>
       </p:sp>
@@ -7841,14 +7986,20 @@
               </a:lnSpc>
             </a:pPr>
             <a:r>
-              <a:rPr lang="en-US" sz="1500" b="0" i="0" u="none" strike="noStrike" dirty="0">
+              <a:rPr lang="en-US" sz="1500" dirty="0" smtClean="0">
                 <a:solidFill>
                   <a:srgbClr val="7180CB"/>
                 </a:solidFill>
                 <a:latin typeface="Pretendard"/>
               </a:rPr>
-              <a:t>03</a:t>
-            </a:r>
+              <a:t>17</a:t>
+            </a:r>
+            <a:endParaRPr lang="en-US" sz="1500" b="0" i="0" u="none" strike="noStrike" dirty="0">
+              <a:solidFill>
+                <a:srgbClr val="7180CB"/>
+              </a:solidFill>
+              <a:latin typeface="Pretendard"/>
+            </a:endParaRPr>
           </a:p>
         </p:txBody>
       </p:sp>
@@ -8300,14 +8451,20 @@
               </a:lnSpc>
             </a:pPr>
             <a:r>
-              <a:rPr lang="en-US" sz="1500" b="0" i="0" u="none" strike="noStrike" dirty="0">
+              <a:rPr lang="en-US" sz="1500" dirty="0" smtClean="0">
                 <a:solidFill>
                   <a:srgbClr val="7180CB"/>
                 </a:solidFill>
                 <a:latin typeface="Pretendard"/>
               </a:rPr>
-              <a:t>03</a:t>
-            </a:r>
+              <a:t>18</a:t>
+            </a:r>
+            <a:endParaRPr lang="en-US" sz="1500" b="0" i="0" u="none" strike="noStrike" dirty="0">
+              <a:solidFill>
+                <a:srgbClr val="7180CB"/>
+              </a:solidFill>
+              <a:latin typeface="Pretendard"/>
+            </a:endParaRPr>
           </a:p>
         </p:txBody>
       </p:sp>
@@ -8689,14 +8846,20 @@
               </a:lnSpc>
             </a:pPr>
             <a:r>
-              <a:rPr lang="en-US" sz="1500" b="0" i="0" u="none" strike="noStrike" dirty="0">
+              <a:rPr lang="en-US" sz="1500" dirty="0" smtClean="0">
                 <a:solidFill>
                   <a:srgbClr val="7180CB"/>
                 </a:solidFill>
                 <a:latin typeface="Pretendard"/>
               </a:rPr>
-              <a:t>03</a:t>
-            </a:r>
+              <a:t>19</a:t>
+            </a:r>
+            <a:endParaRPr lang="en-US" sz="1500" b="0" i="0" u="none" strike="noStrike" dirty="0">
+              <a:solidFill>
+                <a:srgbClr val="7180CB"/>
+              </a:solidFill>
+              <a:latin typeface="Pretendard"/>
+            </a:endParaRPr>
           </a:p>
         </p:txBody>
       </p:sp>
@@ -9385,17 +9548,7 @@
                 <a:latin typeface="+mj-ea"/>
                 <a:ea typeface="+mj-ea"/>
               </a:rPr>
-              <a:t> 기능</a:t>
-            </a:r>
-            <a:r>
-              <a:rPr lang="ko-KR" altLang="en-US" dirty="0" smtClean="0">
-                <a:solidFill>
-                  <a:srgbClr val="636573"/>
-                </a:solidFill>
-                <a:latin typeface="+mj-ea"/>
-                <a:ea typeface="+mj-ea"/>
-              </a:rPr>
-              <a:t> </a:t>
+              <a:t> 기능 </a:t>
             </a:r>
             <a:endParaRPr lang="en-US" sz="1800" b="0" i="0" u="none" strike="noStrike" dirty="0">
               <a:solidFill>
@@ -9574,17 +9727,17 @@
                 <a:latin typeface="+mj-ea"/>
                 <a:ea typeface="+mj-ea"/>
               </a:rPr>
-              <a:t>상세한 기능 설명</a:t>
-            </a:r>
-            <a:r>
-              <a:rPr lang="en-US" sz="1800" b="0" i="0" u="none" strike="noStrike" dirty="0" smtClean="0">
+              <a:t>상세한 기능 </a:t>
+            </a:r>
+            <a:r>
+              <a:rPr lang="ko-KR" altLang="en-US" sz="1800" b="0" i="0" u="none" strike="noStrike" dirty="0" smtClean="0">
                 <a:solidFill>
                   <a:srgbClr val="636573"/>
                 </a:solidFill>
                 <a:latin typeface="+mj-ea"/>
                 <a:ea typeface="+mj-ea"/>
               </a:rPr>
-              <a:t>.</a:t>
+              <a:t>설명</a:t>
             </a:r>
             <a:endParaRPr lang="en-US" sz="1800" b="0" i="0" u="none" strike="noStrike" dirty="0">
               <a:solidFill>
@@ -9836,14 +9989,20 @@
               </a:lnSpc>
             </a:pPr>
             <a:r>
-              <a:rPr lang="en-US" sz="1500" b="0" i="0" u="none" strike="noStrike" dirty="0">
+              <a:rPr lang="en-US" sz="1500" dirty="0" smtClean="0">
                 <a:solidFill>
                   <a:srgbClr val="7180CB"/>
                 </a:solidFill>
                 <a:latin typeface="Pretendard"/>
               </a:rPr>
-              <a:t>03</a:t>
-            </a:r>
+              <a:t>20</a:t>
+            </a:r>
+            <a:endParaRPr lang="en-US" sz="1500" b="0" i="0" u="none" strike="noStrike" dirty="0">
+              <a:solidFill>
+                <a:srgbClr val="7180CB"/>
+              </a:solidFill>
+              <a:latin typeface="Pretendard"/>
+            </a:endParaRPr>
           </a:p>
         </p:txBody>
       </p:sp>
@@ -10365,14 +10524,20 @@
               </a:lnSpc>
             </a:pPr>
             <a:r>
-              <a:rPr lang="en-US" sz="1500" b="0" i="0" u="none" strike="noStrike" dirty="0">
+              <a:rPr lang="en-US" sz="1500" dirty="0" smtClean="0">
                 <a:solidFill>
                   <a:srgbClr val="7180CB"/>
                 </a:solidFill>
                 <a:latin typeface="Pretendard"/>
               </a:rPr>
-              <a:t>03</a:t>
-            </a:r>
+              <a:t>21</a:t>
+            </a:r>
+            <a:endParaRPr lang="en-US" sz="1500" b="0" i="0" u="none" strike="noStrike" dirty="0">
+              <a:solidFill>
+                <a:srgbClr val="7180CB"/>
+              </a:solidFill>
+              <a:latin typeface="Pretendard"/>
+            </a:endParaRPr>
           </a:p>
         </p:txBody>
       </p:sp>
@@ -10684,22 +10849,21 @@
       </p:sp>
       <p:pic>
         <p:nvPicPr>
-          <p:cNvPr id="7" name="그림 6"/>
+          <p:cNvPr id="2" name="그림 1"/>
           <p:cNvPicPr>
             <a:picLocks noChangeAspect="1"/>
           </p:cNvPicPr>
           <p:nvPr/>
         </p:nvPicPr>
-        <p:blipFill>
+        <p:blipFill rotWithShape="1">
           <a:blip r:embed="rId5"/>
-          <a:stretch>
-            <a:fillRect/>
-          </a:stretch>
+          <a:srcRect r="596"/>
+          <a:stretch/>
         </p:blipFill>
         <p:spPr>
           <a:xfrm>
-            <a:off x="1014663" y="2727330"/>
-            <a:ext cx="9272337" cy="6119651"/>
+            <a:off x="990600" y="2726436"/>
+            <a:ext cx="9296400" cy="6150864"/>
           </a:xfrm>
           <a:prstGeom prst="rect">
             <a:avLst/>
@@ -10907,14 +11071,20 @@
               </a:lnSpc>
             </a:pPr>
             <a:r>
-              <a:rPr lang="en-US" sz="1500" b="0" i="0" u="none" strike="noStrike" dirty="0">
+              <a:rPr lang="en-US" sz="1500" dirty="0" smtClean="0">
                 <a:solidFill>
                   <a:srgbClr val="7180CB"/>
                 </a:solidFill>
                 <a:latin typeface="Pretendard"/>
               </a:rPr>
-              <a:t>03</a:t>
-            </a:r>
+              <a:t>22</a:t>
+            </a:r>
+            <a:endParaRPr lang="en-US" sz="1500" b="0" i="0" u="none" strike="noStrike" dirty="0">
+              <a:solidFill>
+                <a:srgbClr val="7180CB"/>
+              </a:solidFill>
+              <a:latin typeface="Pretendard"/>
+            </a:endParaRPr>
           </a:p>
         </p:txBody>
       </p:sp>
@@ -11439,14 +11609,29 @@
               </a:lnSpc>
             </a:pPr>
             <a:r>
-              <a:rPr lang="en-US" sz="1500" b="0" i="0" u="none" strike="noStrike" dirty="0">
+              <a:rPr lang="en-US" sz="1500" dirty="0">
                 <a:solidFill>
                   <a:srgbClr val="7180CB"/>
                 </a:solidFill>
                 <a:latin typeface="Pretendard"/>
               </a:rPr>
-              <a:t>03</a:t>
-            </a:r>
+              <a:t>2</a:t>
+            </a:r>
+            <a:r>
+              <a:rPr lang="en-US" sz="1500" b="0" i="0" u="none" strike="noStrike" dirty="0" smtClean="0">
+                <a:solidFill>
+                  <a:srgbClr val="7180CB"/>
+                </a:solidFill>
+                <a:latin typeface="Pretendard"/>
+              </a:rPr>
+              <a:t>3</a:t>
+            </a:r>
+            <a:endParaRPr lang="en-US" sz="1500" b="0" i="0" u="none" strike="noStrike" dirty="0">
+              <a:solidFill>
+                <a:srgbClr val="7180CB"/>
+              </a:solidFill>
+              <a:latin typeface="Pretendard"/>
+            </a:endParaRPr>
           </a:p>
         </p:txBody>
       </p:sp>
@@ -11995,14 +12180,20 @@
               </a:lnSpc>
             </a:pPr>
             <a:r>
-              <a:rPr lang="en-US" sz="1500" b="0" i="0" u="none" strike="noStrike" dirty="0">
+              <a:rPr lang="en-US" sz="1500" dirty="0" smtClean="0">
                 <a:solidFill>
                   <a:srgbClr val="7180CB"/>
                 </a:solidFill>
                 <a:latin typeface="Pretendard"/>
               </a:rPr>
-              <a:t>03</a:t>
-            </a:r>
+              <a:t>24</a:t>
+            </a:r>
+            <a:endParaRPr lang="en-US" sz="1500" b="0" i="0" u="none" strike="noStrike" dirty="0">
+              <a:solidFill>
+                <a:srgbClr val="7180CB"/>
+              </a:solidFill>
+              <a:latin typeface="Pretendard"/>
+            </a:endParaRPr>
           </a:p>
         </p:txBody>
       </p:sp>
@@ -13569,14 +13760,20 @@
               </a:lnSpc>
             </a:pPr>
             <a:r>
-              <a:rPr lang="en-US" sz="1500" b="0" i="0" u="none" strike="noStrike" dirty="0">
+              <a:rPr lang="en-US" sz="1500" b="0" i="0" u="none" strike="noStrike" dirty="0" smtClean="0">
                 <a:solidFill>
                   <a:srgbClr val="7180CB"/>
                 </a:solidFill>
                 <a:latin typeface="Pretendard"/>
               </a:rPr>
-              <a:t>03</a:t>
-            </a:r>
+              <a:t>04</a:t>
+            </a:r>
+            <a:endParaRPr lang="en-US" sz="1500" b="0" i="0" u="none" strike="noStrike" dirty="0">
+              <a:solidFill>
+                <a:srgbClr val="7180CB"/>
+              </a:solidFill>
+              <a:latin typeface="Pretendard"/>
+            </a:endParaRPr>
           </a:p>
         </p:txBody>
       </p:sp>
@@ -15099,14 +15296,20 @@
               </a:lnSpc>
             </a:pPr>
             <a:r>
-              <a:rPr lang="en-US" sz="1500" b="0" i="0" u="none" strike="noStrike" dirty="0">
+              <a:rPr lang="en-US" sz="1500" b="0" i="0" u="none" strike="noStrike" dirty="0" smtClean="0">
                 <a:solidFill>
                   <a:srgbClr val="7180CB"/>
                 </a:solidFill>
                 <a:latin typeface="Pretendard"/>
               </a:rPr>
-              <a:t>03</a:t>
-            </a:r>
+              <a:t>05</a:t>
+            </a:r>
+            <a:endParaRPr lang="en-US" sz="1500" b="0" i="0" u="none" strike="noStrike" dirty="0">
+              <a:solidFill>
+                <a:srgbClr val="7180CB"/>
+              </a:solidFill>
+              <a:latin typeface="Pretendard"/>
+            </a:endParaRPr>
           </a:p>
         </p:txBody>
       </p:sp>
@@ -16108,14 +16311,20 @@
               </a:lnSpc>
             </a:pPr>
             <a:r>
-              <a:rPr lang="en-US" sz="1500" b="0" i="0" u="none" strike="noStrike" dirty="0">
+              <a:rPr lang="en-US" sz="1500" b="0" i="0" u="none" strike="noStrike" dirty="0" smtClean="0">
                 <a:solidFill>
                   <a:srgbClr val="7180CB"/>
                 </a:solidFill>
                 <a:latin typeface="Pretendard"/>
               </a:rPr>
-              <a:t>03</a:t>
-            </a:r>
+              <a:t>06</a:t>
+            </a:r>
+            <a:endParaRPr lang="en-US" sz="1500" b="0" i="0" u="none" strike="noStrike" dirty="0">
+              <a:solidFill>
+                <a:srgbClr val="7180CB"/>
+              </a:solidFill>
+              <a:latin typeface="Pretendard"/>
+            </a:endParaRPr>
           </a:p>
         </p:txBody>
       </p:sp>
@@ -16818,14 +17027,20 @@
               </a:lnSpc>
             </a:pPr>
             <a:r>
-              <a:rPr lang="en-US" sz="1500" b="0" i="0" u="none" strike="noStrike" dirty="0">
+              <a:rPr lang="en-US" sz="1500" dirty="0" smtClean="0">
                 <a:solidFill>
                   <a:srgbClr val="7180CB"/>
                 </a:solidFill>
                 <a:latin typeface="Pretendard"/>
               </a:rPr>
-              <a:t>03</a:t>
-            </a:r>
+              <a:t>07</a:t>
+            </a:r>
+            <a:endParaRPr lang="en-US" sz="1500" b="0" i="0" u="none" strike="noStrike" dirty="0">
+              <a:solidFill>
+                <a:srgbClr val="7180CB"/>
+              </a:solidFill>
+              <a:latin typeface="Pretendard"/>
+            </a:endParaRPr>
           </a:p>
         </p:txBody>
       </p:sp>
@@ -17396,14 +17611,20 @@
               </a:lnSpc>
             </a:pPr>
             <a:r>
-              <a:rPr lang="en-US" sz="1500" b="0" i="0" u="none" strike="noStrike" dirty="0">
+              <a:rPr lang="en-US" sz="1500" b="0" i="0" u="none" strike="noStrike" dirty="0" smtClean="0">
                 <a:solidFill>
                   <a:srgbClr val="7180CB"/>
                 </a:solidFill>
                 <a:latin typeface="Pretendard"/>
               </a:rPr>
-              <a:t>03</a:t>
-            </a:r>
+              <a:t>08</a:t>
+            </a:r>
+            <a:endParaRPr lang="en-US" sz="1500" b="0" i="0" u="none" strike="noStrike" dirty="0">
+              <a:solidFill>
+                <a:srgbClr val="7180CB"/>
+              </a:solidFill>
+              <a:latin typeface="Pretendard"/>
+            </a:endParaRPr>
           </a:p>
         </p:txBody>
       </p:sp>
@@ -17956,14 +18177,20 @@
               </a:lnSpc>
             </a:pPr>
             <a:r>
-              <a:rPr lang="en-US" sz="1500" b="0" i="0" u="none" strike="noStrike" dirty="0">
+              <a:rPr lang="en-US" sz="1500" b="0" i="0" u="none" strike="noStrike" dirty="0" smtClean="0">
                 <a:solidFill>
                   <a:srgbClr val="7180CB"/>
                 </a:solidFill>
                 <a:latin typeface="Pretendard"/>
               </a:rPr>
-              <a:t>03</a:t>
-            </a:r>
+              <a:t>09</a:t>
+            </a:r>
+            <a:endParaRPr lang="en-US" sz="1500" b="0" i="0" u="none" strike="noStrike" dirty="0">
+              <a:solidFill>
+                <a:srgbClr val="7180CB"/>
+              </a:solidFill>
+              <a:latin typeface="Pretendard"/>
+            </a:endParaRPr>
           </a:p>
         </p:txBody>
       </p:sp>

--- a/PPT/mediaProject.pptx
+++ b/PPT/mediaProject.pptx
@@ -242,7 +242,7 @@
           <a:p>
             <a:fld id="{180C6338-D9DD-44A8-ABAA-E0D629C5278F}" type="datetimeFigureOut">
               <a:rPr lang="ko-KR" altLang="en-US" smtClean="0"/>
-              <a:t>2024-05-30</a:t>
+              <a:t>2024-05-31</a:t>
             </a:fld>
             <a:endParaRPr lang="ko-KR" altLang="en-US"/>
           </a:p>
@@ -944,7 +944,7 @@
             <a:fld id="{1D8BD707-D9CF-40AE-B4C6-C98DA3205C09}" type="datetimeFigureOut">
               <a:rPr lang="en-US" smtClean="0"/>
               <a:pPr/>
-              <a:t>5/30/2024</a:t>
+              <a:t>5/31/2024</a:t>
             </a:fld>
             <a:endParaRPr lang="en-US"/>
           </a:p>
@@ -1111,7 +1111,7 @@
             <a:fld id="{1D8BD707-D9CF-40AE-B4C6-C98DA3205C09}" type="datetimeFigureOut">
               <a:rPr lang="en-US" smtClean="0"/>
               <a:pPr/>
-              <a:t>5/30/2024</a:t>
+              <a:t>5/31/2024</a:t>
             </a:fld>
             <a:endParaRPr lang="en-US"/>
           </a:p>
@@ -1288,7 +1288,7 @@
             <a:fld id="{1D8BD707-D9CF-40AE-B4C6-C98DA3205C09}" type="datetimeFigureOut">
               <a:rPr lang="en-US" smtClean="0"/>
               <a:pPr/>
-              <a:t>5/30/2024</a:t>
+              <a:t>5/31/2024</a:t>
             </a:fld>
             <a:endParaRPr lang="en-US"/>
           </a:p>
@@ -1455,7 +1455,7 @@
             <a:fld id="{1D8BD707-D9CF-40AE-B4C6-C98DA3205C09}" type="datetimeFigureOut">
               <a:rPr lang="en-US" smtClean="0"/>
               <a:pPr/>
-              <a:t>5/30/2024</a:t>
+              <a:t>5/31/2024</a:t>
             </a:fld>
             <a:endParaRPr lang="en-US"/>
           </a:p>
@@ -1698,7 +1698,7 @@
             <a:fld id="{1D8BD707-D9CF-40AE-B4C6-C98DA3205C09}" type="datetimeFigureOut">
               <a:rPr lang="en-US" smtClean="0"/>
               <a:pPr/>
-              <a:t>5/30/2024</a:t>
+              <a:t>5/31/2024</a:t>
             </a:fld>
             <a:endParaRPr lang="en-US"/>
           </a:p>
@@ -1983,7 +1983,7 @@
             <a:fld id="{1D8BD707-D9CF-40AE-B4C6-C98DA3205C09}" type="datetimeFigureOut">
               <a:rPr lang="en-US" smtClean="0"/>
               <a:pPr/>
-              <a:t>5/30/2024</a:t>
+              <a:t>5/31/2024</a:t>
             </a:fld>
             <a:endParaRPr lang="en-US"/>
           </a:p>
@@ -2402,7 +2402,7 @@
             <a:fld id="{1D8BD707-D9CF-40AE-B4C6-C98DA3205C09}" type="datetimeFigureOut">
               <a:rPr lang="en-US" smtClean="0"/>
               <a:pPr/>
-              <a:t>5/30/2024</a:t>
+              <a:t>5/31/2024</a:t>
             </a:fld>
             <a:endParaRPr lang="en-US"/>
           </a:p>
@@ -2517,7 +2517,7 @@
             <a:fld id="{1D8BD707-D9CF-40AE-B4C6-C98DA3205C09}" type="datetimeFigureOut">
               <a:rPr lang="en-US" smtClean="0"/>
               <a:pPr/>
-              <a:t>5/30/2024</a:t>
+              <a:t>5/31/2024</a:t>
             </a:fld>
             <a:endParaRPr lang="en-US"/>
           </a:p>
@@ -2609,7 +2609,7 @@
             <a:fld id="{1D8BD707-D9CF-40AE-B4C6-C98DA3205C09}" type="datetimeFigureOut">
               <a:rPr lang="en-US" smtClean="0"/>
               <a:pPr/>
-              <a:t>5/30/2024</a:t>
+              <a:t>5/31/2024</a:t>
             </a:fld>
             <a:endParaRPr lang="en-US"/>
           </a:p>
@@ -2883,7 +2883,7 @@
             <a:fld id="{1D8BD707-D9CF-40AE-B4C6-C98DA3205C09}" type="datetimeFigureOut">
               <a:rPr lang="en-US" smtClean="0"/>
               <a:pPr/>
-              <a:t>5/30/2024</a:t>
+              <a:t>5/31/2024</a:t>
             </a:fld>
             <a:endParaRPr lang="en-US"/>
           </a:p>
@@ -3133,7 +3133,7 @@
             <a:fld id="{1D8BD707-D9CF-40AE-B4C6-C98DA3205C09}" type="datetimeFigureOut">
               <a:rPr lang="en-US" smtClean="0"/>
               <a:pPr/>
-              <a:t>5/30/2024</a:t>
+              <a:t>5/31/2024</a:t>
             </a:fld>
             <a:endParaRPr lang="en-US"/>
           </a:p>
@@ -3343,7 +3343,7 @@
             <a:fld id="{1D8BD707-D9CF-40AE-B4C6-C98DA3205C09}" type="datetimeFigureOut">
               <a:rPr lang="en-US" smtClean="0"/>
               <a:pPr/>
-              <a:t>5/30/2024</a:t>
+              <a:t>5/31/2024</a:t>
             </a:fld>
             <a:endParaRPr lang="en-US"/>
           </a:p>
@@ -3874,17 +3874,7 @@
                 <a:latin typeface="+mj-ea"/>
                 <a:ea typeface="+mj-ea"/>
               </a:rPr>
-              <a:t>Frontend </a:t>
-            </a:r>
-            <a:r>
-              <a:rPr lang="en-US" sz="2400" b="0" i="0" u="none" strike="noStrike" dirty="0" smtClean="0">
-                <a:solidFill>
-                  <a:srgbClr val="FFFFFF"/>
-                </a:solidFill>
-                <a:latin typeface="+mj-ea"/>
-                <a:ea typeface="+mj-ea"/>
-              </a:rPr>
-              <a:t>Project</a:t>
+              <a:t>Frontend Project</a:t>
             </a:r>
             <a:endParaRPr lang="en-US" sz="2400" b="0" i="0" u="none" strike="noStrike" dirty="0">
               <a:solidFill>
@@ -7268,7 +7258,88 @@
                 </a:solidFill>
                 <a:latin typeface="+mn-ea"/>
               </a:rPr>
-              <a:t>사용자가 프로그램 목록이나 랜덤 추천 메뉴에서 원하는 프로그램을 클릭하면</a:t>
+              <a:t>사용자가 프로그램 </a:t>
+            </a:r>
+            <a:r>
+              <a:rPr lang="ko-KR" altLang="en-US" sz="2400" dirty="0" smtClean="0">
+                <a:solidFill>
+                  <a:schemeClr val="tx1"/>
+                </a:solidFill>
+                <a:latin typeface="+mn-ea"/>
+              </a:rPr>
+              <a:t>목록</a:t>
+            </a:r>
+            <a:r>
+              <a:rPr lang="en-US" altLang="ko-KR" sz="2400" dirty="0" smtClean="0">
+                <a:solidFill>
+                  <a:schemeClr val="tx1"/>
+                </a:solidFill>
+                <a:latin typeface="+mn-ea"/>
+              </a:rPr>
+              <a:t>, </a:t>
+            </a:r>
+            <a:r>
+              <a:rPr lang="ko-KR" altLang="en-US" sz="2400" dirty="0" smtClean="0">
+                <a:solidFill>
+                  <a:schemeClr val="tx1"/>
+                </a:solidFill>
+                <a:latin typeface="+mn-ea"/>
+              </a:rPr>
+              <a:t>검색</a:t>
+            </a:r>
+            <a:r>
+              <a:rPr lang="en-US" altLang="ko-KR" sz="2400" dirty="0" smtClean="0">
+                <a:solidFill>
+                  <a:schemeClr val="tx1"/>
+                </a:solidFill>
+                <a:latin typeface="+mn-ea"/>
+              </a:rPr>
+              <a:t>, </a:t>
+            </a:r>
+            <a:r>
+              <a:rPr lang="ko-KR" altLang="en-US" sz="2400" dirty="0" smtClean="0">
+                <a:solidFill>
+                  <a:schemeClr val="tx1"/>
+                </a:solidFill>
+                <a:latin typeface="+mn-ea"/>
+              </a:rPr>
+              <a:t>랭킹</a:t>
+            </a:r>
+            <a:r>
+              <a:rPr lang="en-US" altLang="ko-KR" sz="2400" dirty="0" smtClean="0">
+                <a:solidFill>
+                  <a:schemeClr val="tx1"/>
+                </a:solidFill>
+                <a:latin typeface="+mn-ea"/>
+              </a:rPr>
+              <a:t>, </a:t>
+            </a:r>
+            <a:r>
+              <a:rPr lang="ko-KR" altLang="en-US" sz="2400" dirty="0" smtClean="0">
+                <a:solidFill>
+                  <a:schemeClr val="tx1"/>
+                </a:solidFill>
+                <a:latin typeface="+mn-ea"/>
+              </a:rPr>
+              <a:t>랜덤 추천</a:t>
+            </a:r>
+            <a:r>
+              <a:rPr lang="ko-KR" altLang="en-US" sz="2400" dirty="0" smtClean="0">
+                <a:solidFill>
+                  <a:schemeClr val="tx1"/>
+                </a:solidFill>
+                <a:latin typeface="+mn-ea"/>
+              </a:rPr>
+              <a:t> </a:t>
+            </a:r>
+            <a:r>
+              <a:rPr lang="ko-KR" altLang="en-US" sz="2400" dirty="0" smtClean="0">
+                <a:solidFill>
+                  <a:schemeClr val="tx1"/>
+                </a:solidFill>
+                <a:latin typeface="+mn-ea"/>
+              </a:rPr>
+              <a:t>메뉴에서 원하는 프로그램을 클릭하면</a:t>
             </a:r>
             <a:r>
               <a:rPr lang="en-US" altLang="ko-KR" sz="2400" dirty="0" smtClean="0">
@@ -9727,17 +9798,7 @@
                 <a:latin typeface="+mj-ea"/>
                 <a:ea typeface="+mj-ea"/>
               </a:rPr>
-              <a:t>상세한 기능 </a:t>
-            </a:r>
-            <a:r>
-              <a:rPr lang="ko-KR" altLang="en-US" sz="1800" b="0" i="0" u="none" strike="noStrike" dirty="0" smtClean="0">
-                <a:solidFill>
-                  <a:srgbClr val="636573"/>
-                </a:solidFill>
-                <a:latin typeface="+mj-ea"/>
-                <a:ea typeface="+mj-ea"/>
-              </a:rPr>
-              <a:t>설명</a:t>
+              <a:t>상세한 기능 설명</a:t>
             </a:r>
             <a:endParaRPr lang="en-US" sz="1800" b="0" i="0" u="none" strike="noStrike" dirty="0">
               <a:solidFill>
@@ -14981,7 +15042,67 @@
                   <a:latin typeface="+mj-ea"/>
                   <a:ea typeface="+mj-ea"/>
                 </a:rPr>
-                <a:t>랜덤추천에서 원하는 프로그램을 클릭할 경우 상세페이지로 넘어가서 해당하는 프로그램에</a:t>
+                <a:t>검색</a:t>
+              </a:r>
+              <a:r>
+                <a:rPr lang="en-US" altLang="ko-KR" sz="2000" dirty="0" smtClean="0">
+                  <a:solidFill>
+                    <a:sysClr val="windowText" lastClr="000000"/>
+                  </a:solidFill>
+                  <a:latin typeface="+mj-ea"/>
+                  <a:ea typeface="+mj-ea"/>
+                </a:rPr>
+                <a:t>, </a:t>
+              </a:r>
+              <a:r>
+                <a:rPr lang="ko-KR" altLang="en-US" sz="2000" dirty="0" smtClean="0">
+                  <a:solidFill>
+                    <a:sysClr val="windowText" lastClr="000000"/>
+                  </a:solidFill>
+                  <a:latin typeface="+mj-ea"/>
+                  <a:ea typeface="+mj-ea"/>
+                </a:rPr>
+                <a:t>랭킹</a:t>
+              </a:r>
+              <a:r>
+                <a:rPr lang="en-US" altLang="ko-KR" sz="2000" dirty="0" smtClean="0">
+                  <a:solidFill>
+                    <a:sysClr val="windowText" lastClr="000000"/>
+                  </a:solidFill>
+                  <a:latin typeface="+mj-ea"/>
+                  <a:ea typeface="+mj-ea"/>
+                </a:rPr>
+                <a:t>, </a:t>
+              </a:r>
+              <a:r>
+                <a:rPr lang="ko-KR" altLang="en-US" sz="2000" dirty="0" smtClean="0">
+                  <a:solidFill>
+                    <a:sysClr val="windowText" lastClr="000000"/>
+                  </a:solidFill>
+                  <a:latin typeface="+mj-ea"/>
+                  <a:ea typeface="+mj-ea"/>
+                </a:rPr>
+                <a:t>랜덤추천처럼 목록이 있는 페이지에서</a:t>
+              </a:r>
+              <a:r>
+                <a:rPr lang="ko-KR" altLang="en-US" sz="2000" dirty="0" smtClean="0">
+                  <a:solidFill>
+                    <a:sysClr val="windowText" lastClr="000000"/>
+                  </a:solidFill>
+                  <a:latin typeface="+mj-ea"/>
+                  <a:ea typeface="+mj-ea"/>
+                </a:rPr>
+                <a:t> </a:t>
+              </a:r>
+              <a:r>
+                <a:rPr lang="ko-KR" altLang="en-US" sz="2000" dirty="0" smtClean="0">
+                  <a:solidFill>
+                    <a:sysClr val="windowText" lastClr="000000"/>
+                  </a:solidFill>
+                  <a:latin typeface="+mj-ea"/>
+                  <a:ea typeface="+mj-ea"/>
+                </a:rPr>
+                <a:t>원하는 프로그램을 클릭할 경우 상세페이지로 넘어가서 해당하는 프로그램에</a:t>
               </a:r>
               <a:r>
                 <a:rPr lang="en-US" altLang="ko-KR" sz="2000" dirty="0">
